--- a/projects_2020/business/Leon/YDN Data 10-18-2020.pptx
+++ b/projects_2020/business/Leon/YDN Data 10-18-2020.pptx
@@ -3867,7 +3867,7 @@
                     <a:p>
                       <a:pPr algn="l" fontAlgn="b"/>
                       <a:r>
-                        <a:rPr lang="en-US" sz="1600" b="0" i="0" u="none" strike="noStrike">
+                        <a:rPr lang="en-US" sz="1600" b="0" i="0" u="none" strike="noStrike" dirty="0">
                           <a:solidFill>
                             <a:srgbClr val="000000"/>
                           </a:solidFill>
@@ -7870,7 +7870,7 @@
               <a:rPr lang="en-US" sz="1200" b="1" dirty="0">
                 <a:latin typeface="+mj-lt"/>
               </a:rPr>
-              <a:t>10/13/2019-10/17/2020</a:t>
+              <a:t>1/13/2019-10/17/2020</a:t>
             </a:r>
           </a:p>
         </p:txBody>
